--- a/Slides/06. 程式碼撰寫及說明.pptx
+++ b/Slides/06. 程式碼撰寫及說明.pptx
@@ -247,7 +247,7 @@
           <a:p>
             <a:fld id="{90CC8E63-1016-4C78-A51D-85D69DBCD8EF}" type="datetimeFigureOut">
               <a:rPr lang="zh-TW" altLang="en-US" smtClean="0"/>
-              <a:t>2024/5/14</a:t>
+              <a:t>2024/5/20</a:t>
             </a:fld>
             <a:endParaRPr lang="zh-TW" altLang="en-US"/>
           </a:p>
@@ -3805,7 +3805,7 @@
           <a:p>
             <a:fld id="{2E29796B-F55F-40BA-947E-19D03180300F}" type="datetimeFigureOut">
               <a:rPr lang="zh-TW" altLang="en-US" smtClean="0"/>
-              <a:t>2024/5/14</a:t>
+              <a:t>2024/5/20</a:t>
             </a:fld>
             <a:endParaRPr lang="zh-TW" altLang="en-US"/>
           </a:p>
@@ -4003,7 +4003,7 @@
           <a:p>
             <a:fld id="{2E29796B-F55F-40BA-947E-19D03180300F}" type="datetimeFigureOut">
               <a:rPr lang="zh-TW" altLang="en-US" smtClean="0"/>
-              <a:t>2024/5/14</a:t>
+              <a:t>2024/5/20</a:t>
             </a:fld>
             <a:endParaRPr lang="zh-TW" altLang="en-US"/>
           </a:p>
@@ -4211,7 +4211,7 @@
           <a:p>
             <a:fld id="{2E29796B-F55F-40BA-947E-19D03180300F}" type="datetimeFigureOut">
               <a:rPr lang="zh-TW" altLang="en-US" smtClean="0"/>
-              <a:t>2024/5/14</a:t>
+              <a:t>2024/5/20</a:t>
             </a:fld>
             <a:endParaRPr lang="zh-TW" altLang="en-US"/>
           </a:p>
@@ -4592,7 +4592,7 @@
                 </a:solidFill>
               </a:rPr>
               <a:pPr/>
-              <a:t>5/14/2024</a:t>
+              <a:t>5/20/2024</a:t>
             </a:fld>
             <a:endParaRPr kumimoji="0" lang="en-US" dirty="0"/>
           </a:p>
@@ -4823,7 +4823,7 @@
                 </a:solidFill>
               </a:rPr>
               <a:pPr/>
-              <a:t>5/14/2024</a:t>
+              <a:t>5/20/2024</a:t>
             </a:fld>
             <a:endParaRPr kumimoji="0" lang="en-US" dirty="0"/>
           </a:p>
@@ -5056,7 +5056,7 @@
                 </a:solidFill>
               </a:rPr>
               <a:pPr/>
-              <a:t>5/14/2024</a:t>
+              <a:t>5/20/2024</a:t>
             </a:fld>
             <a:endParaRPr kumimoji="0" lang="en-US" dirty="0"/>
           </a:p>
@@ -5538,7 +5538,7 @@
                 </a:solidFill>
               </a:rPr>
               <a:pPr/>
-              <a:t>5/14/2024</a:t>
+              <a:t>5/20/2024</a:t>
             </a:fld>
             <a:endParaRPr kumimoji="0" lang="en-US" dirty="0"/>
           </a:p>
@@ -5895,7 +5895,7 @@
                 </a:solidFill>
               </a:rPr>
               <a:pPr/>
-              <a:t>5/14/2024</a:t>
+              <a:t>5/20/2024</a:t>
             </a:fld>
             <a:endParaRPr kumimoji="0" lang="en-US" dirty="0"/>
           </a:p>
@@ -6258,7 +6258,7 @@
                 </a:solidFill>
               </a:rPr>
               <a:pPr/>
-              <a:t>5/14/2024</a:t>
+              <a:t>5/20/2024</a:t>
             </a:fld>
             <a:endParaRPr kumimoji="0" lang="en-US" dirty="0"/>
           </a:p>
@@ -6568,7 +6568,7 @@
                 </a:solidFill>
               </a:rPr>
               <a:pPr/>
-              <a:t>5/14/2024</a:t>
+              <a:t>5/20/2024</a:t>
             </a:fld>
             <a:endParaRPr kumimoji="0" lang="en-US" dirty="0"/>
           </a:p>
@@ -6763,7 +6763,7 @@
           <a:p>
             <a:fld id="{2E29796B-F55F-40BA-947E-19D03180300F}" type="datetimeFigureOut">
               <a:rPr lang="zh-TW" altLang="en-US" smtClean="0"/>
-              <a:t>2024/5/14</a:t>
+              <a:t>2024/5/20</a:t>
             </a:fld>
             <a:endParaRPr lang="zh-TW" altLang="en-US"/>
           </a:p>
@@ -7247,7 +7247,7 @@
                 </a:solidFill>
               </a:rPr>
               <a:pPr/>
-              <a:t>5/14/2024</a:t>
+              <a:t>5/20/2024</a:t>
             </a:fld>
             <a:endParaRPr kumimoji="0" lang="en-US" dirty="0"/>
           </a:p>
@@ -7643,7 +7643,7 @@
                 </a:solidFill>
               </a:rPr>
               <a:pPr/>
-              <a:t>5/14/2024</a:t>
+              <a:t>5/20/2024</a:t>
             </a:fld>
             <a:endParaRPr kumimoji="0" lang="en-US" dirty="0"/>
           </a:p>
@@ -7983,7 +7983,7 @@
                 </a:solidFill>
               </a:rPr>
               <a:pPr/>
-              <a:t>5/14/2024</a:t>
+              <a:t>5/20/2024</a:t>
             </a:fld>
             <a:endParaRPr kumimoji="0" lang="en-US" dirty="0"/>
           </a:p>
@@ -8564,7 +8564,7 @@
                 </a:solidFill>
               </a:rPr>
               <a:pPr/>
-              <a:t>5/14/2024</a:t>
+              <a:t>5/20/2024</a:t>
             </a:fld>
             <a:endParaRPr kumimoji="0" lang="en-US" dirty="0"/>
           </a:p>
@@ -9133,7 +9133,7 @@
                 </a:solidFill>
               </a:rPr>
               <a:pPr/>
-              <a:t>5/14/2024</a:t>
+              <a:t>5/20/2024</a:t>
             </a:fld>
             <a:endParaRPr kumimoji="0" lang="en-US" dirty="0"/>
           </a:p>
@@ -9597,7 +9597,7 @@
                 </a:solidFill>
               </a:rPr>
               <a:pPr/>
-              <a:t>5/14/2024</a:t>
+              <a:t>5/20/2024</a:t>
             </a:fld>
             <a:endParaRPr kumimoji="0" lang="en-US" dirty="0"/>
           </a:p>
@@ -10026,7 +10026,7 @@
                 </a:solidFill>
               </a:rPr>
               <a:pPr/>
-              <a:t>5/14/2024</a:t>
+              <a:t>5/20/2024</a:t>
             </a:fld>
             <a:endParaRPr kumimoji="0" lang="en-US" dirty="0"/>
           </a:p>
@@ -10535,7 +10535,7 @@
                 </a:solidFill>
               </a:rPr>
               <a:pPr/>
-              <a:t>5/14/2024</a:t>
+              <a:t>5/20/2024</a:t>
             </a:fld>
             <a:endParaRPr kumimoji="0" lang="en-US" dirty="0"/>
           </a:p>
@@ -11044,7 +11044,7 @@
                 </a:solidFill>
               </a:rPr>
               <a:pPr/>
-              <a:t>5/14/2024</a:t>
+              <a:t>5/20/2024</a:t>
             </a:fld>
             <a:endParaRPr kumimoji="0" lang="en-US" dirty="0"/>
           </a:p>
@@ -11265,7 +11265,7 @@
                 </a:solidFill>
               </a:rPr>
               <a:pPr/>
-              <a:t>5/14/2024</a:t>
+              <a:t>5/20/2024</a:t>
             </a:fld>
             <a:endParaRPr kumimoji="0" lang="en-US" dirty="0"/>
           </a:p>
@@ -11537,7 +11537,7 @@
           <a:p>
             <a:fld id="{2E29796B-F55F-40BA-947E-19D03180300F}" type="datetimeFigureOut">
               <a:rPr lang="zh-TW" altLang="en-US" smtClean="0"/>
-              <a:t>2024/5/14</a:t>
+              <a:t>2024/5/20</a:t>
             </a:fld>
             <a:endParaRPr lang="zh-TW" altLang="en-US"/>
           </a:p>
@@ -11873,7 +11873,7 @@
                 </a:solidFill>
               </a:rPr>
               <a:pPr/>
-              <a:t>5/14/2024</a:t>
+              <a:t>5/20/2024</a:t>
             </a:fld>
             <a:endParaRPr kumimoji="0" lang="en-US" dirty="0"/>
           </a:p>
@@ -12097,7 +12097,7 @@
                 </a:solidFill>
               </a:rPr>
               <a:pPr/>
-              <a:t>5/14/2024</a:t>
+              <a:t>5/20/2024</a:t>
             </a:fld>
             <a:endParaRPr kumimoji="0" lang="en-US" dirty="0"/>
           </a:p>
@@ -12278,7 +12278,7 @@
             <a:fld id="{ACB2EC6F-6501-4E04-BD6C-A8A6CABB2C5B}" type="datetimeFigureOut">
               <a:rPr kumimoji="0" lang="en-US" smtClean="0"/>
               <a:pPr/>
-              <a:t>5/14/2024</a:t>
+              <a:t>5/20/2024</a:t>
             </a:fld>
             <a:endParaRPr kumimoji="0" lang="en-US" dirty="0"/>
           </a:p>
@@ -12562,7 +12562,7 @@
           <a:p>
             <a:fld id="{2E29796B-F55F-40BA-947E-19D03180300F}" type="datetimeFigureOut">
               <a:rPr lang="zh-TW" altLang="en-US" smtClean="0"/>
-              <a:t>2024/5/14</a:t>
+              <a:t>2024/5/20</a:t>
             </a:fld>
             <a:endParaRPr lang="zh-TW" altLang="en-US"/>
           </a:p>
@@ -12974,7 +12974,7 @@
           <a:p>
             <a:fld id="{2E29796B-F55F-40BA-947E-19D03180300F}" type="datetimeFigureOut">
               <a:rPr lang="zh-TW" altLang="en-US" smtClean="0"/>
-              <a:t>2024/5/14</a:t>
+              <a:t>2024/5/20</a:t>
             </a:fld>
             <a:endParaRPr lang="zh-TW" altLang="en-US"/>
           </a:p>
@@ -13115,7 +13115,7 @@
           <a:p>
             <a:fld id="{2E29796B-F55F-40BA-947E-19D03180300F}" type="datetimeFigureOut">
               <a:rPr lang="zh-TW" altLang="en-US" smtClean="0"/>
-              <a:t>2024/5/14</a:t>
+              <a:t>2024/5/20</a:t>
             </a:fld>
             <a:endParaRPr lang="zh-TW" altLang="en-US"/>
           </a:p>
@@ -13228,7 +13228,7 @@
           <a:p>
             <a:fld id="{2E29796B-F55F-40BA-947E-19D03180300F}" type="datetimeFigureOut">
               <a:rPr lang="zh-TW" altLang="en-US" smtClean="0"/>
-              <a:t>2024/5/14</a:t>
+              <a:t>2024/5/20</a:t>
             </a:fld>
             <a:endParaRPr lang="zh-TW" altLang="en-US"/>
           </a:p>
@@ -13539,7 +13539,7 @@
           <a:p>
             <a:fld id="{2E29796B-F55F-40BA-947E-19D03180300F}" type="datetimeFigureOut">
               <a:rPr lang="zh-TW" altLang="en-US" smtClean="0"/>
-              <a:t>2024/5/14</a:t>
+              <a:t>2024/5/20</a:t>
             </a:fld>
             <a:endParaRPr lang="zh-TW" altLang="en-US"/>
           </a:p>
@@ -13827,7 +13827,7 @@
           <a:p>
             <a:fld id="{2E29796B-F55F-40BA-947E-19D03180300F}" type="datetimeFigureOut">
               <a:rPr lang="zh-TW" altLang="en-US" smtClean="0"/>
-              <a:t>2024/5/14</a:t>
+              <a:t>2024/5/20</a:t>
             </a:fld>
             <a:endParaRPr lang="zh-TW" altLang="en-US"/>
           </a:p>
@@ -14068,7 +14068,7 @@
           <a:p>
             <a:fld id="{2E29796B-F55F-40BA-947E-19D03180300F}" type="datetimeFigureOut">
               <a:rPr lang="zh-TW" altLang="en-US" smtClean="0"/>
-              <a:t>2024/5/14</a:t>
+              <a:t>2024/5/20</a:t>
             </a:fld>
             <a:endParaRPr lang="zh-TW" altLang="en-US"/>
           </a:p>
@@ -14640,7 +14640,7 @@
                 </a:solidFill>
               </a:rPr>
               <a:pPr/>
-              <a:t>5/14/2024</a:t>
+              <a:t>5/20/2024</a:t>
             </a:fld>
             <a:endParaRPr kumimoji="0" lang="en-US" sz="1200" dirty="0">
               <a:solidFill>
@@ -15124,7 +15124,7 @@
           <a:p>
             <a:pPr algn="ctr"/>
             <a:r>
-              <a:rPr kumimoji="1" lang="en-US" altLang="zh-TW" sz="6000" b="1" dirty="0">
+              <a:rPr kumimoji="1" lang="en-US" altLang="zh-TW" sz="6000" b="1">
                 <a:solidFill>
                   <a:prstClr val="white"/>
                 </a:solidFill>
@@ -15139,7 +15139,7 @@
                 <a:ea typeface="微軟正黑體" panose="020B0604030504040204" pitchFamily="34" charset="-120"/>
                 <a:cs typeface="Arial"/>
               </a:rPr>
-              <a:t>05. </a:t>
+              <a:t>06. </a:t>
             </a:r>
             <a:r>
               <a:rPr kumimoji="1" lang="zh-TW" altLang="en-US" sz="6000" b="1" dirty="0">
@@ -15157,7 +15157,7 @@
                 <a:ea typeface="微軟正黑體" panose="020B0604030504040204" pitchFamily="34" charset="-120"/>
                 <a:cs typeface="Arial"/>
               </a:rPr>
-              <a:t>基礎觀念及知識</a:t>
+              <a:t>程式說明</a:t>
             </a:r>
             <a:endParaRPr kumimoji="1" lang="en-US" altLang="zh-TW" sz="6000" b="1" dirty="0">
               <a:solidFill>
@@ -16007,7 +16007,7 @@
                 <a:latin typeface="Arial" panose="020B0604020202020204" pitchFamily="34" charset="0"/>
                 <a:cs typeface="Arial" panose="020B0604020202020204" pitchFamily="34" charset="0"/>
               </a:rPr>
-              <a:t>5/14/2024</a:t>
+              <a:t>5/20/2024</a:t>
             </a:fld>
             <a:endParaRPr kumimoji="0" lang="en-US" dirty="0">
               <a:latin typeface="Arial" panose="020B0604020202020204" pitchFamily="34" charset="0"/>
@@ -16325,7 +16325,7 @@
                 <a:latin typeface="Arial" panose="020B0604020202020204" pitchFamily="34" charset="0"/>
                 <a:cs typeface="Arial" panose="020B0604020202020204" pitchFamily="34" charset="0"/>
               </a:rPr>
-              <a:t>5/14/2024</a:t>
+              <a:t>5/20/2024</a:t>
             </a:fld>
             <a:endParaRPr kumimoji="0" lang="en-US" dirty="0">
               <a:latin typeface="Arial" panose="020B0604020202020204" pitchFamily="34" charset="0"/>
@@ -16736,7 +16736,7 @@
                 <a:latin typeface="Arial" panose="020B0604020202020204" pitchFamily="34" charset="0"/>
                 <a:cs typeface="Arial" panose="020B0604020202020204" pitchFamily="34" charset="0"/>
               </a:rPr>
-              <a:t>5/14/2024</a:t>
+              <a:t>5/20/2024</a:t>
             </a:fld>
             <a:endParaRPr kumimoji="0" lang="en-US" dirty="0">
               <a:latin typeface="Arial" panose="020B0604020202020204" pitchFamily="34" charset="0"/>
@@ -19127,7 +19127,7 @@
                   <a:schemeClr val="tx2"/>
                 </a:solidFill>
               </a:rPr>
-              <a:t>5/14/2024</a:t>
+              <a:t>5/20/2024</a:t>
             </a:fld>
             <a:endParaRPr kumimoji="0" lang="en-US" dirty="0"/>
           </a:p>
@@ -19319,7 +19319,7 @@
                 <a:latin typeface="Arial" panose="020B0604020202020204" pitchFamily="34" charset="0"/>
                 <a:cs typeface="Arial" panose="020B0604020202020204" pitchFamily="34" charset="0"/>
               </a:rPr>
-              <a:t>5/14/2024</a:t>
+              <a:t>5/20/2024</a:t>
             </a:fld>
             <a:endParaRPr kumimoji="0" lang="en-US" dirty="0">
               <a:latin typeface="Arial" panose="020B0604020202020204" pitchFamily="34" charset="0"/>
@@ -19912,7 +19912,7 @@
                 <a:latin typeface="Arial" panose="020B0604020202020204" pitchFamily="34" charset="0"/>
                 <a:cs typeface="Arial" panose="020B0604020202020204" pitchFamily="34" charset="0"/>
               </a:rPr>
-              <a:t>5/14/2024</a:t>
+              <a:t>5/20/2024</a:t>
             </a:fld>
             <a:endParaRPr kumimoji="0" lang="en-US" dirty="0">
               <a:latin typeface="Arial" panose="020B0604020202020204" pitchFamily="34" charset="0"/>
@@ -20570,7 +20570,7 @@
                 <a:latin typeface="Arial" panose="020B0604020202020204" pitchFamily="34" charset="0"/>
                 <a:cs typeface="Arial" panose="020B0604020202020204" pitchFamily="34" charset="0"/>
               </a:rPr>
-              <a:t>5/14/2024</a:t>
+              <a:t>5/20/2024</a:t>
             </a:fld>
             <a:endParaRPr kumimoji="0" lang="en-US" dirty="0">
               <a:latin typeface="Arial" panose="020B0604020202020204" pitchFamily="34" charset="0"/>
